--- a/Sprint presentations/Individual_Project-Sprint1.pptx
+++ b/Sprint presentations/Individual_Project-Sprint1.pptx
@@ -4659,23 +4659,6 @@
           </a:p>
           <a:p>
             <a:r>
-              <a:rPr lang="nl-NL" b="1" dirty="0">
-                <a:solidFill>
-                  <a:srgbClr val="FF0000"/>
-                </a:solidFill>
-                <a:latin typeface="Noto Sans" panose="020B0502040504020204" pitchFamily="34" charset="0"/>
-              </a:rPr>
-              <a:t>F</a:t>
-            </a:r>
-            <a:r>
-              <a:rPr lang="nl-NL" b="1" dirty="0">
-                <a:latin typeface="Noto Sans" panose="020B0502040504020204" pitchFamily="34" charset="0"/>
-              </a:rPr>
-              <a:t>oundation Topics</a:t>
-            </a:r>
-          </a:p>
-          <a:p>
-            <a:r>
               <a:rPr lang="nl-NL" b="1" dirty="0" err="1">
                 <a:solidFill>
                   <a:srgbClr val="FF0000"/>
@@ -4693,6 +4676,23 @@
             <a:endParaRPr lang="nl-NL" b="1" dirty="0">
               <a:latin typeface="Noto Sans" panose="020B0502040504020204" pitchFamily="34" charset="0"/>
             </a:endParaRPr>
+          </a:p>
+          <a:p>
+            <a:r>
+              <a:rPr lang="nl-NL" b="1" dirty="0">
+                <a:solidFill>
+                  <a:srgbClr val="FF0000"/>
+                </a:solidFill>
+                <a:latin typeface="Noto Sans" panose="020B0502040504020204" pitchFamily="34" charset="0"/>
+              </a:rPr>
+              <a:t>F</a:t>
+            </a:r>
+            <a:r>
+              <a:rPr lang="nl-NL" b="1" dirty="0">
+                <a:latin typeface="Noto Sans" panose="020B0502040504020204" pitchFamily="34" charset="0"/>
+              </a:rPr>
+              <a:t>oundation Topics</a:t>
+            </a:r>
           </a:p>
           <a:p>
             <a:pPr>
